--- a/content/iroiro/mtj/fig.pptx
+++ b/content/iroiro/mtj/fig.pptx
@@ -106,6 +106,11 @@
       </a:defRPr>
     </a:lvl9pPr>
   </p:defaultTextStyle>
+  <p:extLst>
+    <p:ext uri="{EFAFB233-063F-42B5-8137-9DF3F51BA10A}">
+      <p15:sldGuideLst xmlns:p15="http://schemas.microsoft.com/office/powerpoint/2012/main"/>
+    </p:ext>
+  </p:extLst>
 </p:presentation>
 </file>
 
@@ -256,7 +261,7 @@
           <a:p>
             <a:fld id="{87240406-3909-4CDA-9366-29BD899B0368}" type="datetimeFigureOut">
               <a:rPr kumimoji="1" lang="ja-JP" altLang="en-US" smtClean="0"/>
-              <a:t>2020/9/10</a:t>
+              <a:t>2022/7/1</a:t>
             </a:fld>
             <a:endParaRPr kumimoji="1" lang="ja-JP" altLang="en-US"/>
           </a:p>
@@ -486,7 +491,7 @@
           <a:p>
             <a:fld id="{87240406-3909-4CDA-9366-29BD899B0368}" type="datetimeFigureOut">
               <a:rPr kumimoji="1" lang="ja-JP" altLang="en-US" smtClean="0"/>
-              <a:t>2020/9/10</a:t>
+              <a:t>2022/7/1</a:t>
             </a:fld>
             <a:endParaRPr kumimoji="1" lang="ja-JP" altLang="en-US"/>
           </a:p>
@@ -726,7 +731,7 @@
           <a:p>
             <a:fld id="{87240406-3909-4CDA-9366-29BD899B0368}" type="datetimeFigureOut">
               <a:rPr kumimoji="1" lang="ja-JP" altLang="en-US" smtClean="0"/>
-              <a:t>2020/9/10</a:t>
+              <a:t>2022/7/1</a:t>
             </a:fld>
             <a:endParaRPr kumimoji="1" lang="ja-JP" altLang="en-US"/>
           </a:p>
@@ -956,7 +961,7 @@
           <a:p>
             <a:fld id="{87240406-3909-4CDA-9366-29BD899B0368}" type="datetimeFigureOut">
               <a:rPr kumimoji="1" lang="ja-JP" altLang="en-US" smtClean="0"/>
-              <a:t>2020/9/10</a:t>
+              <a:t>2022/7/1</a:t>
             </a:fld>
             <a:endParaRPr kumimoji="1" lang="ja-JP" altLang="en-US"/>
           </a:p>
@@ -1231,7 +1236,7 @@
           <a:p>
             <a:fld id="{87240406-3909-4CDA-9366-29BD899B0368}" type="datetimeFigureOut">
               <a:rPr kumimoji="1" lang="ja-JP" altLang="en-US" smtClean="0"/>
-              <a:t>2020/9/10</a:t>
+              <a:t>2022/7/1</a:t>
             </a:fld>
             <a:endParaRPr kumimoji="1" lang="ja-JP" altLang="en-US"/>
           </a:p>
@@ -1560,7 +1565,7 @@
           <a:p>
             <a:fld id="{87240406-3909-4CDA-9366-29BD899B0368}" type="datetimeFigureOut">
               <a:rPr kumimoji="1" lang="ja-JP" altLang="en-US" smtClean="0"/>
-              <a:t>2020/9/10</a:t>
+              <a:t>2022/7/1</a:t>
             </a:fld>
             <a:endParaRPr kumimoji="1" lang="ja-JP" altLang="en-US"/>
           </a:p>
@@ -2036,7 +2041,7 @@
           <a:p>
             <a:fld id="{87240406-3909-4CDA-9366-29BD899B0368}" type="datetimeFigureOut">
               <a:rPr kumimoji="1" lang="ja-JP" altLang="en-US" smtClean="0"/>
-              <a:t>2020/9/10</a:t>
+              <a:t>2022/7/1</a:t>
             </a:fld>
             <a:endParaRPr kumimoji="1" lang="ja-JP" altLang="en-US"/>
           </a:p>
@@ -2177,7 +2182,7 @@
           <a:p>
             <a:fld id="{87240406-3909-4CDA-9366-29BD899B0368}" type="datetimeFigureOut">
               <a:rPr kumimoji="1" lang="ja-JP" altLang="en-US" smtClean="0"/>
-              <a:t>2020/9/10</a:t>
+              <a:t>2022/7/1</a:t>
             </a:fld>
             <a:endParaRPr kumimoji="1" lang="ja-JP" altLang="en-US"/>
           </a:p>
@@ -2290,7 +2295,7 @@
           <a:p>
             <a:fld id="{87240406-3909-4CDA-9366-29BD899B0368}" type="datetimeFigureOut">
               <a:rPr kumimoji="1" lang="ja-JP" altLang="en-US" smtClean="0"/>
-              <a:t>2020/9/10</a:t>
+              <a:t>2022/7/1</a:t>
             </a:fld>
             <a:endParaRPr kumimoji="1" lang="ja-JP" altLang="en-US"/>
           </a:p>
@@ -2633,7 +2638,7 @@
           <a:p>
             <a:fld id="{87240406-3909-4CDA-9366-29BD899B0368}" type="datetimeFigureOut">
               <a:rPr kumimoji="1" lang="ja-JP" altLang="en-US" smtClean="0"/>
-              <a:t>2020/9/10</a:t>
+              <a:t>2022/7/1</a:t>
             </a:fld>
             <a:endParaRPr kumimoji="1" lang="ja-JP" altLang="en-US"/>
           </a:p>
@@ -2921,7 +2926,7 @@
           <a:p>
             <a:fld id="{87240406-3909-4CDA-9366-29BD899B0368}" type="datetimeFigureOut">
               <a:rPr kumimoji="1" lang="ja-JP" altLang="en-US" smtClean="0"/>
-              <a:t>2020/9/10</a:t>
+              <a:t>2022/7/1</a:t>
             </a:fld>
             <a:endParaRPr kumimoji="1" lang="ja-JP" altLang="en-US"/>
           </a:p>
@@ -3194,7 +3199,7 @@
           <a:p>
             <a:fld id="{87240406-3909-4CDA-9366-29BD899B0368}" type="datetimeFigureOut">
               <a:rPr kumimoji="1" lang="ja-JP" altLang="en-US" smtClean="0"/>
-              <a:t>2020/9/10</a:t>
+              <a:t>2022/7/1</a:t>
             </a:fld>
             <a:endParaRPr kumimoji="1" lang="ja-JP" altLang="en-US"/>
           </a:p>
@@ -3611,115 +3616,94 @@
           <a:chExt cx="0" cy="0"/>
         </a:xfrm>
       </p:grpSpPr>
-      <p:grpSp>
-        <p:nvGrpSpPr>
-          <p:cNvPr id="7" name="グループ化 6">
-            <a:extLst>
-              <a:ext uri="{FF2B5EF4-FFF2-40B4-BE49-F238E27FC236}">
-                <a16:creationId xmlns:a16="http://schemas.microsoft.com/office/drawing/2014/main" id="{F68F212D-314A-4FF7-8CDE-4086067B9F6B}"/>
-              </a:ext>
-            </a:extLst>
-          </p:cNvPr>
-          <p:cNvGrpSpPr/>
+      <p:sp>
+        <p:nvSpPr>
+          <p:cNvPr id="6" name="正方形/長方形 5">
+            <a:extLst>
+              <a:ext uri="{FF2B5EF4-FFF2-40B4-BE49-F238E27FC236}">
+                <a16:creationId xmlns:a16="http://schemas.microsoft.com/office/drawing/2014/main" id="{A220ACCB-0C0B-45A9-819B-1C3EC2E9BC51}"/>
+              </a:ext>
+            </a:extLst>
+          </p:cNvPr>
+          <p:cNvSpPr/>
           <p:nvPr/>
-        </p:nvGrpSpPr>
-        <p:grpSpPr>
+        </p:nvSpPr>
+        <p:spPr>
           <a:xfrm>
             <a:off x="1371600" y="777240"/>
-            <a:ext cx="9112390" cy="5468348"/>
-            <a:chOff x="1371600" y="777240"/>
-            <a:chExt cx="9112390" cy="5468348"/>
+            <a:ext cx="9109710" cy="5463540"/>
           </a:xfrm>
-        </p:grpSpPr>
-        <p:sp>
-          <p:nvSpPr>
-            <p:cNvPr id="6" name="正方形/長方形 5">
-              <a:extLst>
-                <a:ext uri="{FF2B5EF4-FFF2-40B4-BE49-F238E27FC236}">
-                  <a16:creationId xmlns:a16="http://schemas.microsoft.com/office/drawing/2014/main" id="{A220ACCB-0C0B-45A9-819B-1C3EC2E9BC51}"/>
-                </a:ext>
-              </a:extLst>
-            </p:cNvPr>
-            <p:cNvSpPr/>
-            <p:nvPr/>
-          </p:nvSpPr>
-          <p:spPr>
-            <a:xfrm>
-              <a:off x="1371600" y="777240"/>
-              <a:ext cx="9109710" cy="5463540"/>
-            </a:xfrm>
-            <a:prstGeom prst="rect">
-              <a:avLst/>
-            </a:prstGeom>
-            <a:solidFill>
-              <a:schemeClr val="bg1"/>
-            </a:solidFill>
-            <a:ln>
-              <a:noFill/>
-            </a:ln>
-          </p:spPr>
-          <p:style>
-            <a:lnRef idx="2">
-              <a:schemeClr val="accent1">
-                <a:shade val="50000"/>
-              </a:schemeClr>
-            </a:lnRef>
-            <a:fillRef idx="1">
-              <a:schemeClr val="accent1"/>
-            </a:fillRef>
-            <a:effectRef idx="0">
-              <a:schemeClr val="accent1"/>
-            </a:effectRef>
-            <a:fontRef idx="minor">
-              <a:schemeClr val="lt1"/>
-            </a:fontRef>
-          </p:style>
-          <p:txBody>
-            <a:bodyPr rtlCol="0" anchor="ctr"/>
-            <a:lstStyle/>
-            <a:p>
-              <a:pPr algn="ctr"/>
-              <a:endParaRPr kumimoji="1" lang="ja-JP" altLang="en-US"/>
-            </a:p>
-          </p:txBody>
-        </p:sp>
-        <p:pic>
-          <p:nvPicPr>
-            <p:cNvPr id="5" name="図 4">
-              <a:extLst>
-                <a:ext uri="{FF2B5EF4-FFF2-40B4-BE49-F238E27FC236}">
-                  <a16:creationId xmlns:a16="http://schemas.microsoft.com/office/drawing/2014/main" id="{513AE770-D0BB-45F3-95A5-60217B29B34E}"/>
-                </a:ext>
-              </a:extLst>
-            </p:cNvPr>
-            <p:cNvPicPr>
-              <a:picLocks noChangeAspect="1"/>
-            </p:cNvPicPr>
-            <p:nvPr/>
-          </p:nvPicPr>
-          <p:blipFill>
-            <a:blip r:embed="rId2">
-              <a:extLst>
-                <a:ext uri="{28A0092B-C50C-407E-A947-70E740481C1C}">
-                  <a14:useLocalDpi xmlns:a14="http://schemas.microsoft.com/office/drawing/2010/main" val="0"/>
-                </a:ext>
-              </a:extLst>
-            </a:blip>
-            <a:stretch>
-              <a:fillRect/>
-            </a:stretch>
-          </p:blipFill>
-          <p:spPr>
-            <a:xfrm>
-              <a:off x="1387970" y="795292"/>
-              <a:ext cx="9096020" cy="5450296"/>
-            </a:xfrm>
-            <a:prstGeom prst="rect">
-              <a:avLst/>
-            </a:prstGeom>
-          </p:spPr>
-        </p:pic>
-      </p:grpSp>
+          <a:prstGeom prst="rect">
+            <a:avLst/>
+          </a:prstGeom>
+          <a:solidFill>
+            <a:schemeClr val="bg1"/>
+          </a:solidFill>
+          <a:ln>
+            <a:noFill/>
+          </a:ln>
+        </p:spPr>
+        <p:style>
+          <a:lnRef idx="2">
+            <a:schemeClr val="accent1">
+              <a:shade val="50000"/>
+            </a:schemeClr>
+          </a:lnRef>
+          <a:fillRef idx="1">
+            <a:schemeClr val="accent1"/>
+          </a:fillRef>
+          <a:effectRef idx="0">
+            <a:schemeClr val="accent1"/>
+          </a:effectRef>
+          <a:fontRef idx="minor">
+            <a:schemeClr val="lt1"/>
+          </a:fontRef>
+        </p:style>
+        <p:txBody>
+          <a:bodyPr rtlCol="0" anchor="ctr"/>
+          <a:lstStyle/>
+          <a:p>
+            <a:pPr algn="ctr"/>
+            <a:endParaRPr kumimoji="1" lang="ja-JP" altLang="en-US"/>
+          </a:p>
+        </p:txBody>
+      </p:sp>
+      <p:pic>
+        <p:nvPicPr>
+          <p:cNvPr id="5" name="図 4">
+            <a:extLst>
+              <a:ext uri="{FF2B5EF4-FFF2-40B4-BE49-F238E27FC236}">
+                <a16:creationId xmlns:a16="http://schemas.microsoft.com/office/drawing/2014/main" id="{513AE770-D0BB-45F3-95A5-60217B29B34E}"/>
+              </a:ext>
+            </a:extLst>
+          </p:cNvPr>
+          <p:cNvPicPr>
+            <a:picLocks noChangeAspect="1"/>
+          </p:cNvPicPr>
+          <p:nvPr/>
+        </p:nvPicPr>
+        <p:blipFill>
+          <a:blip r:embed="rId2">
+            <a:extLst>
+              <a:ext uri="{28A0092B-C50C-407E-A947-70E740481C1C}">
+                <a14:useLocalDpi xmlns:a14="http://schemas.microsoft.com/office/drawing/2010/main" val="0"/>
+              </a:ext>
+            </a:extLst>
+          </a:blip>
+          <a:stretch>
+            <a:fillRect/>
+          </a:stretch>
+        </p:blipFill>
+        <p:spPr>
+          <a:xfrm>
+            <a:off x="1387970" y="795292"/>
+            <a:ext cx="9096020" cy="5450296"/>
+          </a:xfrm>
+          <a:prstGeom prst="rect">
+            <a:avLst/>
+          </a:prstGeom>
+        </p:spPr>
+      </p:pic>
     </p:spTree>
     <p:extLst>
       <p:ext uri="{BB962C8B-B14F-4D97-AF65-F5344CB8AC3E}">
